--- a/IKT_jatek_bemutato.pptx
+++ b/IKT_jatek_bemutato.pptx
@@ -5,7 +5,7 @@
     <p:sldMasterId id="2147483648" r:id="rId4"/>
   </p:sldMasterIdLst>
   <p:notesMasterIdLst>
-    <p:notesMasterId r:id="rId17"/>
+    <p:notesMasterId r:id="rId15"/>
   </p:notesMasterIdLst>
   <p:sldIdLst>
     <p:sldId id="530" r:id="rId5"/>
@@ -16,10 +16,8 @@
     <p:sldId id="551" r:id="rId10"/>
     <p:sldId id="531" r:id="rId11"/>
     <p:sldId id="547" r:id="rId12"/>
-    <p:sldId id="538" r:id="rId13"/>
-    <p:sldId id="553" r:id="rId14"/>
-    <p:sldId id="554" r:id="rId15"/>
-    <p:sldId id="545" r:id="rId16"/>
+    <p:sldId id="553" r:id="rId13"/>
+    <p:sldId id="545" r:id="rId14"/>
   </p:sldIdLst>
   <p:sldSz cx="12192000" cy="6858000"/>
   <p:notesSz cx="6858000" cy="9144000"/>
@@ -220,7 +218,7 @@
           <a:p>
             <a:fld id="{3F00BCFC-AFFD-334C-A183-6116BAFDF92B}" type="datetimeFigureOut">
               <a:rPr lang="en-US" smtClean="0"/>
-              <a:t>1/9/2024</a:t>
+              <a:t>11/12/2024</a:t>
             </a:fld>
             <a:endParaRPr lang="en-US" dirty="0"/>
           </a:p>
@@ -17050,7 +17048,7 @@
           <a:p>
             <a:r>
               <a:rPr lang="hu-HU" dirty="0"/>
-              <a:t>Balogh Dániel, Erdélyi Balázs, Kálmán Dániel</a:t>
+              <a:t>Balogh Dániel, Erdélyi Balázs</a:t>
             </a:r>
             <a:endParaRPr lang="en-US" dirty="0"/>
           </a:p>
@@ -17086,484 +17084,6 @@
           <a:chExt cx="0" cy="0"/>
         </a:xfrm>
       </p:grpSpPr>
-      <p:sp>
-        <p:nvSpPr>
-          <p:cNvPr id="2" name="Title 1">
-            <a:extLst>
-              <a:ext uri="{FF2B5EF4-FFF2-40B4-BE49-F238E27FC236}">
-                <a16:creationId xmlns:a16="http://schemas.microsoft.com/office/drawing/2014/main" id="{D249E45E-D6A7-9780-F652-BAF86DFBCC00}"/>
-              </a:ext>
-            </a:extLst>
-          </p:cNvPr>
-          <p:cNvSpPr>
-            <a:spLocks noGrp="1"/>
-          </p:cNvSpPr>
-          <p:nvPr>
-            <p:ph type="title"/>
-          </p:nvPr>
-        </p:nvSpPr>
-        <p:spPr/>
-        <p:txBody>
-          <a:bodyPr/>
-          <a:lstStyle/>
-          <a:p>
-            <a:r>
-              <a:rPr lang="hu-HU" b="1" i="0" dirty="0">
-                <a:effectLst/>
-              </a:rPr>
-              <a:t>FELSZERELÉSEK</a:t>
-            </a:r>
-            <a:endParaRPr lang="en-US" dirty="0"/>
-          </a:p>
-        </p:txBody>
-      </p:sp>
-      <p:sp>
-        <p:nvSpPr>
-          <p:cNvPr id="8" name="Slide Number Placeholder 7">
-            <a:extLst>
-              <a:ext uri="{FF2B5EF4-FFF2-40B4-BE49-F238E27FC236}">
-                <a16:creationId xmlns:a16="http://schemas.microsoft.com/office/drawing/2014/main" id="{85577A64-4E94-69E1-3180-1E014BD06B3C}"/>
-              </a:ext>
-            </a:extLst>
-          </p:cNvPr>
-          <p:cNvSpPr>
-            <a:spLocks noGrp="1"/>
-          </p:cNvSpPr>
-          <p:nvPr>
-            <p:ph type="sldNum" sz="quarter" idx="12"/>
-          </p:nvPr>
-        </p:nvSpPr>
-        <p:spPr/>
-        <p:txBody>
-          <a:bodyPr/>
-          <a:lstStyle/>
-          <a:p>
-            <a:endParaRPr lang="en-US" dirty="0"/>
-          </a:p>
-        </p:txBody>
-      </p:sp>
-      <p:sp>
-        <p:nvSpPr>
-          <p:cNvPr id="3" name="Text Placeholder 2">
-            <a:extLst>
-              <a:ext uri="{FF2B5EF4-FFF2-40B4-BE49-F238E27FC236}">
-                <a16:creationId xmlns:a16="http://schemas.microsoft.com/office/drawing/2014/main" id="{C31605EE-24B6-95D8-DE5E-BEC2F03ECECA}"/>
-              </a:ext>
-            </a:extLst>
-          </p:cNvPr>
-          <p:cNvSpPr>
-            <a:spLocks noGrp="1"/>
-          </p:cNvSpPr>
-          <p:nvPr>
-            <p:ph type="body" idx="1"/>
-          </p:nvPr>
-        </p:nvSpPr>
-        <p:spPr/>
-        <p:txBody>
-          <a:bodyPr/>
-          <a:lstStyle/>
-          <a:p>
-            <a:r>
-              <a:rPr lang="hu-HU" dirty="0"/>
-              <a:t>Fegyverek - sebzés</a:t>
-            </a:r>
-            <a:endParaRPr lang="en-US" dirty="0"/>
-          </a:p>
-        </p:txBody>
-      </p:sp>
-      <p:sp>
-        <p:nvSpPr>
-          <p:cNvPr id="4" name="Content Placeholder 3">
-            <a:extLst>
-              <a:ext uri="{FF2B5EF4-FFF2-40B4-BE49-F238E27FC236}">
-                <a16:creationId xmlns:a16="http://schemas.microsoft.com/office/drawing/2014/main" id="{BE22F651-7ABC-015D-B5C4-622708A64CB1}"/>
-              </a:ext>
-            </a:extLst>
-          </p:cNvPr>
-          <p:cNvSpPr>
-            <a:spLocks noGrp="1"/>
-          </p:cNvSpPr>
-          <p:nvPr>
-            <p:ph sz="half" idx="2"/>
-          </p:nvPr>
-        </p:nvSpPr>
-        <p:spPr/>
-        <p:txBody>
-          <a:bodyPr/>
-          <a:lstStyle/>
-          <a:p>
-            <a:r>
-              <a:rPr lang="hu-HU" dirty="0"/>
-              <a:t>Alap fegyver: 1 sebzés</a:t>
-            </a:r>
-          </a:p>
-          <a:p>
-            <a:r>
-              <a:rPr lang="hu-HU" dirty="0"/>
-              <a:t>Alapból 1 egységre üt a nézési irányba, fejlesztéssel növelhető</a:t>
-            </a:r>
-          </a:p>
-          <a:p>
-            <a:r>
-              <a:rPr lang="hu-HU" dirty="0"/>
-              <a:t>Fejlesztéssel +1 sebzés/10 talizmán</a:t>
-            </a:r>
-          </a:p>
-        </p:txBody>
-      </p:sp>
-      <p:sp>
-        <p:nvSpPr>
-          <p:cNvPr id="5" name="Text Placeholder 4">
-            <a:extLst>
-              <a:ext uri="{FF2B5EF4-FFF2-40B4-BE49-F238E27FC236}">
-                <a16:creationId xmlns:a16="http://schemas.microsoft.com/office/drawing/2014/main" id="{6A1E0F07-3291-4EE2-1286-04C97165BA68}"/>
-              </a:ext>
-            </a:extLst>
-          </p:cNvPr>
-          <p:cNvSpPr>
-            <a:spLocks noGrp="1"/>
-          </p:cNvSpPr>
-          <p:nvPr>
-            <p:ph type="body" sz="quarter" idx="3"/>
-          </p:nvPr>
-        </p:nvSpPr>
-        <p:spPr/>
-        <p:txBody>
-          <a:bodyPr/>
-          <a:lstStyle/>
-          <a:p>
-            <a:r>
-              <a:rPr lang="hu-HU" dirty="0"/>
-              <a:t>Páncélzat - élet</a:t>
-            </a:r>
-            <a:endParaRPr lang="en-US" dirty="0"/>
-          </a:p>
-        </p:txBody>
-      </p:sp>
-      <p:sp>
-        <p:nvSpPr>
-          <p:cNvPr id="6" name="Content Placeholder 5">
-            <a:extLst>
-              <a:ext uri="{FF2B5EF4-FFF2-40B4-BE49-F238E27FC236}">
-                <a16:creationId xmlns:a16="http://schemas.microsoft.com/office/drawing/2014/main" id="{3DF22CC9-1295-2B21-05A9-68A44E669B8F}"/>
-              </a:ext>
-            </a:extLst>
-          </p:cNvPr>
-          <p:cNvSpPr>
-            <a:spLocks noGrp="1"/>
-          </p:cNvSpPr>
-          <p:nvPr>
-            <p:ph sz="quarter" idx="4"/>
-          </p:nvPr>
-        </p:nvSpPr>
-        <p:spPr/>
-        <p:txBody>
-          <a:bodyPr/>
-          <a:lstStyle/>
-          <a:p>
-            <a:r>
-              <a:rPr lang="hu-HU" dirty="0"/>
-              <a:t>Alap páncél: 5 élet</a:t>
-            </a:r>
-          </a:p>
-          <a:p>
-            <a:r>
-              <a:rPr lang="hu-HU" dirty="0"/>
-              <a:t>Fejlesztéssel +1 élet/5 talizmán</a:t>
-            </a:r>
-            <a:endParaRPr lang="en-US" dirty="0"/>
-          </a:p>
-        </p:txBody>
-      </p:sp>
-      <p:sp>
-        <p:nvSpPr>
-          <p:cNvPr id="7" name="Footer Placeholder 6">
-            <a:extLst>
-              <a:ext uri="{FF2B5EF4-FFF2-40B4-BE49-F238E27FC236}">
-                <a16:creationId xmlns:a16="http://schemas.microsoft.com/office/drawing/2014/main" id="{A9F57080-19CA-8BBA-6050-8494551D4615}"/>
-              </a:ext>
-            </a:extLst>
-          </p:cNvPr>
-          <p:cNvSpPr>
-            <a:spLocks noGrp="1"/>
-          </p:cNvSpPr>
-          <p:nvPr>
-            <p:ph type="ftr" sz="quarter" idx="11"/>
-          </p:nvPr>
-        </p:nvSpPr>
-        <p:spPr/>
-        <p:txBody>
-          <a:bodyPr/>
-          <a:lstStyle/>
-          <a:p>
-            <a:endParaRPr lang="en-US" dirty="0"/>
-          </a:p>
-        </p:txBody>
-      </p:sp>
-    </p:spTree>
-    <p:extLst>
-      <p:ext uri="{BB962C8B-B14F-4D97-AF65-F5344CB8AC3E}">
-        <p14:creationId xmlns:p14="http://schemas.microsoft.com/office/powerpoint/2010/main" val="1237935859"/>
-      </p:ext>
-    </p:extLst>
-  </p:cSld>
-  <p:clrMapOvr>
-    <a:masterClrMapping/>
-  </p:clrMapOvr>
-  <p:transition spd="slow">
-    <p:cover dir="u"/>
-  </p:transition>
-</p:sld>
-</file>
-
-<file path=ppt/slides/slide11.xml><?xml version="1.0" encoding="utf-8"?>
-<p:sld xmlns:a="http://schemas.openxmlformats.org/drawingml/2006/main" xmlns:r="http://schemas.openxmlformats.org/officeDocument/2006/relationships" xmlns:p="http://schemas.openxmlformats.org/presentationml/2006/main">
-  <p:cSld>
-    <p:spTree>
-      <p:nvGrpSpPr>
-        <p:cNvPr id="1" name=""/>
-        <p:cNvGrpSpPr/>
-        <p:nvPr/>
-      </p:nvGrpSpPr>
-      <p:grpSpPr>
-        <a:xfrm>
-          <a:off x="0" y="0"/>
-          <a:ext cx="0" cy="0"/>
-          <a:chOff x="0" y="0"/>
-          <a:chExt cx="0" cy="0"/>
-        </a:xfrm>
-      </p:grpSpPr>
-      <p:sp>
-        <p:nvSpPr>
-          <p:cNvPr id="2" name="Title 1">
-            <a:extLst>
-              <a:ext uri="{FF2B5EF4-FFF2-40B4-BE49-F238E27FC236}">
-                <a16:creationId xmlns:a16="http://schemas.microsoft.com/office/drawing/2014/main" id="{C07F7E09-6A9E-9FCC-7867-895F21ABE716}"/>
-              </a:ext>
-            </a:extLst>
-          </p:cNvPr>
-          <p:cNvSpPr>
-            <a:spLocks noGrp="1"/>
-          </p:cNvSpPr>
-          <p:nvPr>
-            <p:ph type="title"/>
-          </p:nvPr>
-        </p:nvSpPr>
-        <p:spPr/>
-        <p:txBody>
-          <a:bodyPr>
-            <a:normAutofit/>
-          </a:bodyPr>
-          <a:lstStyle/>
-          <a:p>
-            <a:r>
-              <a:rPr lang="hu-HU" b="1" i="0" dirty="0">
-                <a:effectLst/>
-              </a:rPr>
-              <a:t>Passzív hatások</a:t>
-            </a:r>
-            <a:endParaRPr lang="en-US" dirty="0"/>
-          </a:p>
-        </p:txBody>
-      </p:sp>
-      <p:sp>
-        <p:nvSpPr>
-          <p:cNvPr id="5" name="Slide Number Placeholder 4">
-            <a:extLst>
-              <a:ext uri="{FF2B5EF4-FFF2-40B4-BE49-F238E27FC236}">
-                <a16:creationId xmlns:a16="http://schemas.microsoft.com/office/drawing/2014/main" id="{9157728F-9EA1-A705-8E4D-B7823E4F4C26}"/>
-              </a:ext>
-            </a:extLst>
-          </p:cNvPr>
-          <p:cNvSpPr>
-            <a:spLocks noGrp="1"/>
-          </p:cNvSpPr>
-          <p:nvPr>
-            <p:ph type="sldNum" sz="quarter" idx="11"/>
-          </p:nvPr>
-        </p:nvSpPr>
-        <p:spPr/>
-        <p:txBody>
-          <a:bodyPr/>
-          <a:lstStyle/>
-          <a:p>
-            <a:fld id="{294A09A9-5501-47C1-A89A-A340965A2BE2}" type="slidenum">
-              <a:rPr lang="en-US" smtClean="0"/>
-              <a:pPr/>
-              <a:t>11</a:t>
-            </a:fld>
-            <a:endParaRPr lang="en-US" dirty="0"/>
-          </a:p>
-        </p:txBody>
-      </p:sp>
-      <p:sp>
-        <p:nvSpPr>
-          <p:cNvPr id="3" name="Content Placeholder 2">
-            <a:extLst>
-              <a:ext uri="{FF2B5EF4-FFF2-40B4-BE49-F238E27FC236}">
-                <a16:creationId xmlns:a16="http://schemas.microsoft.com/office/drawing/2014/main" id="{199158D4-7B61-0A48-E33F-792278D05724}"/>
-              </a:ext>
-            </a:extLst>
-          </p:cNvPr>
-          <p:cNvSpPr>
-            <a:spLocks noGrp="1"/>
-          </p:cNvSpPr>
-          <p:nvPr>
-            <p:ph idx="1"/>
-          </p:nvPr>
-        </p:nvSpPr>
-        <p:spPr>
-          <a:xfrm>
-            <a:off x="1536192" y="2212848"/>
-            <a:ext cx="6422136" cy="4112538"/>
-          </a:xfrm>
-        </p:spPr>
-        <p:txBody>
-          <a:bodyPr/>
-          <a:lstStyle/>
-          <a:p>
-            <a:pPr marL="342900" indent="-342900" algn="l">
-              <a:lnSpc>
-                <a:spcPct val="150000"/>
-              </a:lnSpc>
-              <a:buClr>
-                <a:schemeClr val="accent6"/>
-              </a:buClr>
-              <a:buFont typeface="Courier New" panose="02070309020205020404" pitchFamily="49" charset="0"/>
-              <a:buChar char="o"/>
-            </a:pPr>
-            <a:r>
-              <a:rPr lang="hu-HU" dirty="0">
-                <a:latin typeface="Segoe UI Light" panose="020B0502040204020203" pitchFamily="34" charset="0"/>
-                <a:cs typeface="Segoe UI Light" panose="020B0502040204020203" pitchFamily="34" charset="0"/>
-              </a:rPr>
-              <a:t>Hatások:</a:t>
-            </a:r>
-          </a:p>
-          <a:p>
-            <a:pPr marL="681228" lvl="1" indent="-342900">
-              <a:lnSpc>
-                <a:spcPct val="150000"/>
-              </a:lnSpc>
-            </a:pPr>
-            <a:r>
-              <a:rPr lang="hu-HU" dirty="0">
-                <a:latin typeface="Segoe UI Light" panose="020B0502040204020203" pitchFamily="34" charset="0"/>
-                <a:cs typeface="Segoe UI Light" panose="020B0502040204020203" pitchFamily="34" charset="0"/>
-              </a:rPr>
-              <a:t>Szerencse – 2x több pénz ládákból</a:t>
-            </a:r>
-          </a:p>
-          <a:p>
-            <a:pPr marL="681228" lvl="1" indent="-342900">
-              <a:lnSpc>
-                <a:spcPct val="150000"/>
-              </a:lnSpc>
-            </a:pPr>
-            <a:r>
-              <a:rPr lang="hu-HU" dirty="0">
-                <a:latin typeface="Segoe UI Light" panose="020B0502040204020203" pitchFamily="34" charset="0"/>
-                <a:cs typeface="Segoe UI Light" panose="020B0502040204020203" pitchFamily="34" charset="0"/>
-              </a:rPr>
-              <a:t>Nindzsa – van esély az ütés blokkolására</a:t>
-            </a:r>
-          </a:p>
-          <a:p>
-            <a:pPr marL="681228" lvl="1" indent="-342900">
-              <a:lnSpc>
-                <a:spcPct val="150000"/>
-              </a:lnSpc>
-            </a:pPr>
-            <a:r>
-              <a:rPr lang="hu-HU" dirty="0">
-                <a:latin typeface="Segoe UI Light" panose="020B0502040204020203" pitchFamily="34" charset="0"/>
-                <a:cs typeface="Segoe UI Light" panose="020B0502040204020203" pitchFamily="34" charset="0"/>
-              </a:rPr>
-              <a:t>Vadász – van esély egyből megölni az ellenfelet</a:t>
-            </a:r>
-          </a:p>
-          <a:p>
-            <a:pPr marL="342900" indent="-342900" algn="l">
-              <a:lnSpc>
-                <a:spcPct val="150000"/>
-              </a:lnSpc>
-              <a:buClr>
-                <a:schemeClr val="accent6"/>
-              </a:buClr>
-              <a:buFont typeface="Courier New" panose="02070309020205020404" pitchFamily="49" charset="0"/>
-              <a:buChar char="o"/>
-            </a:pPr>
-            <a:r>
-              <a:rPr lang="hu-HU" dirty="0">
-                <a:latin typeface="Segoe UI Light" panose="020B0502040204020203" pitchFamily="34" charset="0"/>
-                <a:cs typeface="Segoe UI Light" panose="020B0502040204020203" pitchFamily="34" charset="0"/>
-              </a:rPr>
-              <a:t>Megszerzése:</a:t>
-            </a:r>
-          </a:p>
-          <a:p>
-            <a:pPr marL="681228" lvl="1" indent="-342900">
-              <a:lnSpc>
-                <a:spcPct val="150000"/>
-              </a:lnSpc>
-            </a:pPr>
-            <a:r>
-              <a:rPr lang="hu-HU" dirty="0">
-                <a:latin typeface="Segoe UI Light" panose="020B0502040204020203" pitchFamily="34" charset="0"/>
-                <a:cs typeface="Segoe UI Light" panose="020B0502040204020203" pitchFamily="34" charset="0"/>
-              </a:rPr>
-              <a:t>20 talizmán/hatás</a:t>
-            </a:r>
-          </a:p>
-          <a:p>
-            <a:pPr marL="681228" lvl="1" indent="-342900">
-              <a:lnSpc>
-                <a:spcPct val="150000"/>
-              </a:lnSpc>
-            </a:pPr>
-            <a:r>
-              <a:rPr lang="hu-HU" dirty="0">
-                <a:latin typeface="Segoe UI Light" panose="020B0502040204020203" pitchFamily="34" charset="0"/>
-                <a:cs typeface="Segoe UI Light" panose="020B0502040204020203" pitchFamily="34" charset="0"/>
-              </a:rPr>
-              <a:t>Kovácsnál</a:t>
-            </a:r>
-          </a:p>
-        </p:txBody>
-      </p:sp>
-    </p:spTree>
-    <p:extLst>
-      <p:ext uri="{BB962C8B-B14F-4D97-AF65-F5344CB8AC3E}">
-        <p14:creationId xmlns:p14="http://schemas.microsoft.com/office/powerpoint/2010/main" val="975387586"/>
-      </p:ext>
-    </p:extLst>
-  </p:cSld>
-  <p:clrMapOvr>
-    <a:masterClrMapping/>
-  </p:clrMapOvr>
-  <p:transition spd="slow">
-    <p:cover dir="u"/>
-  </p:transition>
-</p:sld>
-</file>
-
-<file path=ppt/slides/slide12.xml><?xml version="1.0" encoding="utf-8"?>
-<p:sld xmlns:a="http://schemas.openxmlformats.org/drawingml/2006/main" xmlns:r="http://schemas.openxmlformats.org/officeDocument/2006/relationships" xmlns:p="http://schemas.openxmlformats.org/presentationml/2006/main">
-  <p:cSld>
-    <p:spTree>
-      <p:nvGrpSpPr>
-        <p:cNvPr id="1" name=""/>
-        <p:cNvGrpSpPr/>
-        <p:nvPr/>
-      </p:nvGrpSpPr>
-      <p:grpSpPr>
-        <a:xfrm>
-          <a:off x="0" y="0"/>
-          <a:ext cx="0" cy="0"/>
-          <a:chOff x="0" y="0"/>
-          <a:chExt cx="0" cy="0"/>
-        </a:xfrm>
-      </p:grpSpPr>
       <p:pic>
         <p:nvPicPr>
           <p:cNvPr id="5" name="Kép 4">
@@ -17612,8 +17132,8 @@
         </p:nvSpPr>
         <p:spPr>
           <a:xfrm>
-            <a:off x="1135380" y="3282318"/>
-            <a:ext cx="9921240" cy="1481328"/>
+            <a:off x="73891" y="2094354"/>
+            <a:ext cx="12025745" cy="2669292"/>
           </a:xfrm>
         </p:spPr>
         <p:txBody>
@@ -17621,7 +17141,7 @@
           <a:lstStyle/>
           <a:p>
             <a:r>
-              <a:rPr lang="hu-HU" sz="8000" dirty="0">
+              <a:rPr lang="hu-HU" sz="7200" dirty="0">
                 <a:effectLst>
                   <a:outerShdw blurRad="38100" dist="38100" dir="2700000" algn="tl">
                     <a:srgbClr val="000000">
@@ -17630,32 +17150,9 @@
                   </a:outerShdw>
                 </a:effectLst>
               </a:rPr>
-              <a:t>Köszönjük a</a:t>
-            </a:r>
-            <a:br>
-              <a:rPr lang="hu-HU" sz="8000" dirty="0">
-                <a:effectLst>
-                  <a:outerShdw blurRad="38100" dist="38100" dir="2700000" algn="tl">
-                    <a:srgbClr val="000000">
-                      <a:alpha val="43137"/>
-                    </a:srgbClr>
-                  </a:outerShdw>
-                </a:effectLst>
-              </a:rPr>
-            </a:br>
-            <a:r>
-              <a:rPr lang="hu-HU" sz="8000" dirty="0">
-                <a:effectLst>
-                  <a:outerShdw blurRad="38100" dist="38100" dir="2700000" algn="tl">
-                    <a:srgbClr val="000000">
-                      <a:alpha val="43137"/>
-                    </a:srgbClr>
-                  </a:outerShdw>
-                </a:effectLst>
-              </a:rPr>
-              <a:t>figyelmet!</a:t>
-            </a:r>
-            <a:endParaRPr lang="en-US" sz="8000" dirty="0">
+              <a:t>Köszönjük A figyelmet!</a:t>
+            </a:r>
+            <a:endParaRPr lang="en-US" sz="7200" dirty="0">
               <a:effectLst>
                 <a:outerShdw blurRad="38100" dist="38100" dir="2700000" algn="tl">
                   <a:srgbClr val="000000">
@@ -17695,7 +17192,7 @@
           <a:p>
             <a:r>
               <a:rPr lang="hu-HU" dirty="0"/>
-              <a:t>Balogh Dániel, Erdélyi Balázs, Kálmán Dániel</a:t>
+              <a:t>Balogh Dániel, Erdélyi Balázs</a:t>
             </a:r>
             <a:endParaRPr lang="en-US" dirty="0"/>
           </a:p>
@@ -17850,8 +17347,8 @@
           <a:lstStyle/>
           <a:p>
             <a:r>
-              <a:rPr lang="hu-HU" dirty="0" err="1"/>
-              <a:t>alapOK</a:t>
+              <a:rPr lang="hu-HU" dirty="0"/>
+              <a:t>alapok</a:t>
             </a:r>
             <a:endParaRPr lang="en-US" dirty="0"/>
           </a:p>
@@ -17942,33 +17439,8 @@
                 <a:latin typeface="Segoe UI Light" panose="020B0502040204020203" pitchFamily="34" charset="0"/>
                 <a:cs typeface="Segoe UI Light" panose="020B0502040204020203" pitchFamily="34" charset="0"/>
               </a:rPr>
-              <a:t>, </a:t>
-            </a:r>
-            <a:r>
-              <a:rPr lang="hu-HU" dirty="0" err="1">
-                <a:latin typeface="Segoe UI Light" panose="020B0502040204020203" pitchFamily="34" charset="0"/>
-                <a:cs typeface="Segoe UI Light" panose="020B0502040204020203" pitchFamily="34" charset="0"/>
-              </a:rPr>
-              <a:t>action</a:t>
-            </a:r>
-            <a:r>
-              <a:rPr lang="hu-HU" dirty="0">
-                <a:latin typeface="Segoe UI Light" panose="020B0502040204020203" pitchFamily="34" charset="0"/>
-                <a:cs typeface="Segoe UI Light" panose="020B0502040204020203" pitchFamily="34" charset="0"/>
-              </a:rPr>
-              <a:t> </a:t>
-            </a:r>
-            <a:r>
-              <a:rPr lang="hu-HU" dirty="0" err="1">
-                <a:latin typeface="Segoe UI Light" panose="020B0502040204020203" pitchFamily="34" charset="0"/>
-                <a:cs typeface="Segoe UI Light" panose="020B0502040204020203" pitchFamily="34" charset="0"/>
-              </a:rPr>
-              <a:t>adventure</a:t>
-            </a:r>
-            <a:endParaRPr lang="hu-HU" dirty="0">
-              <a:latin typeface="Segoe UI Light" panose="020B0502040204020203" pitchFamily="34" charset="0"/>
-              <a:cs typeface="Segoe UI Light" panose="020B0502040204020203" pitchFamily="34" charset="0"/>
-            </a:endParaRPr>
+              <a:t>, akció kaland</a:t>
+            </a:r>
           </a:p>
           <a:p>
             <a:pPr marL="342900" indent="-342900" algn="l">
@@ -17982,18 +17454,11 @@
               <a:buChar char="o"/>
             </a:pPr>
             <a:r>
-              <a:rPr lang="hu-HU" dirty="0" err="1">
-                <a:latin typeface="Segoe UI Light" panose="020B0502040204020203" pitchFamily="34" charset="0"/>
-                <a:cs typeface="Segoe UI Light" panose="020B0502040204020203" pitchFamily="34" charset="0"/>
-              </a:rPr>
-              <a:t>Console</a:t>
-            </a:r>
-            <a:r>
               <a:rPr lang="hu-HU" dirty="0">
                 <a:latin typeface="Segoe UI Light" panose="020B0502040204020203" pitchFamily="34" charset="0"/>
                 <a:cs typeface="Segoe UI Light" panose="020B0502040204020203" pitchFamily="34" charset="0"/>
               </a:rPr>
-              <a:t> játék – C#</a:t>
+              <a:t>C# konzolos játék</a:t>
             </a:r>
           </a:p>
           <a:p>
@@ -18016,49 +17481,32 @@
       </p:sp>
       <p:pic>
         <p:nvPicPr>
-          <p:cNvPr id="1026" name="Picture 2">
-            <a:extLst>
-              <a:ext uri="{FF2B5EF4-FFF2-40B4-BE49-F238E27FC236}">
-                <a16:creationId xmlns:a16="http://schemas.microsoft.com/office/drawing/2014/main" id="{FE7B9E75-1A74-5A0F-333D-22F0ED5FCE07}"/>
+          <p:cNvPr id="10" name="Kép 9" descr="A képen Grafika, szimbólum, embléma, Grafikus tervezés látható&#10;&#10;Automatikusan generált leírás">
+            <a:extLst>
+              <a:ext uri="{FF2B5EF4-FFF2-40B4-BE49-F238E27FC236}">
+                <a16:creationId xmlns:a16="http://schemas.microsoft.com/office/drawing/2014/main" id="{DA8B5CE6-97F6-834E-6B64-E0330A14505D}"/>
               </a:ext>
             </a:extLst>
           </p:cNvPr>
           <p:cNvPicPr>
-            <a:picLocks noChangeAspect="1" noChangeArrowheads="1"/>
+            <a:picLocks noChangeAspect="1"/>
           </p:cNvPicPr>
           <p:nvPr/>
         </p:nvPicPr>
         <p:blipFill>
-          <a:blip r:embed="rId2">
-            <a:extLst>
-              <a:ext uri="{28A0092B-C50C-407E-A947-70E740481C1C}">
-                <a14:useLocalDpi xmlns:a14="http://schemas.microsoft.com/office/drawing/2010/main" val="0"/>
-              </a:ext>
-            </a:extLst>
-          </a:blip>
-          <a:srcRect/>
+          <a:blip r:embed="rId2"/>
           <a:stretch>
             <a:fillRect/>
           </a:stretch>
         </p:blipFill>
-        <p:spPr bwMode="auto">
+        <p:spPr>
           <a:xfrm>
-            <a:off x="2238080" y="3778930"/>
-            <a:ext cx="1899810" cy="2137286"/>
+            <a:off x="1323975" y="3705893"/>
+            <a:ext cx="2812851" cy="2500312"/>
           </a:xfrm>
           <a:prstGeom prst="rect">
             <a:avLst/>
           </a:prstGeom>
-          <a:noFill/>
-          <a:extLst>
-            <a:ext uri="{909E8E84-426E-40DD-AFC4-6F175D3DCCD1}">
-              <a14:hiddenFill xmlns:a14="http://schemas.microsoft.com/office/drawing/2010/main">
-                <a:solidFill>
-                  <a:srgbClr val="FFFFFF"/>
-                </a:solidFill>
-              </a14:hiddenFill>
-            </a:ext>
-          </a:extLst>
         </p:spPr>
       </p:pic>
     </p:spTree>
@@ -18223,7 +17671,7 @@
                 <a:latin typeface="Segoe UI Light" panose="020B0502040204020203" pitchFamily="34" charset="0"/>
                 <a:cs typeface="Segoe UI Light" panose="020B0502040204020203" pitchFamily="34" charset="0"/>
               </a:rPr>
-              <a:t>Szörnyek ölése</a:t>
+              <a:t>Szörnyek legyőzése</a:t>
             </a:r>
           </a:p>
           <a:p>
@@ -18240,24 +17688,7 @@
                 <a:latin typeface="Segoe UI Light" panose="020B0502040204020203" pitchFamily="34" charset="0"/>
                 <a:cs typeface="Segoe UI Light" panose="020B0502040204020203" pitchFamily="34" charset="0"/>
               </a:rPr>
-              <a:t>Ládák megtalálása</a:t>
-            </a:r>
-          </a:p>
-          <a:p>
-            <a:pPr marL="681228" lvl="1" indent="-342900">
-              <a:lnSpc>
-                <a:spcPct val="150000"/>
-              </a:lnSpc>
-            </a:pPr>
-            <a:r>
-              <a:rPr lang="hu-HU" dirty="0">
-                <a:solidFill>
-                  <a:schemeClr val="bg1"/>
-                </a:solidFill>
-                <a:latin typeface="Segoe UI Light" panose="020B0502040204020203" pitchFamily="34" charset="0"/>
-                <a:cs typeface="Segoe UI Light" panose="020B0502040204020203" pitchFamily="34" charset="0"/>
-              </a:rPr>
-              <a:t>Túlélés</a:t>
+              <a:t>Túlélés a pályákon</a:t>
             </a:r>
           </a:p>
           <a:p>
@@ -18290,7 +17721,7 @@
                 <a:latin typeface="Segoe UI Light" panose="020B0502040204020203" pitchFamily="34" charset="0"/>
                 <a:cs typeface="Segoe UI Light" panose="020B0502040204020203" pitchFamily="34" charset="0"/>
               </a:rPr>
-              <a:t>Kijutás a labirintusból</a:t>
+              <a:t>Kijutás a pályáról</a:t>
             </a:r>
           </a:p>
           <a:p>
@@ -18491,7 +17922,7 @@
                 <a:latin typeface="Segoe UI Light" panose="020B0502040204020203" pitchFamily="34" charset="0"/>
                 <a:cs typeface="Segoe UI Light" panose="020B0502040204020203" pitchFamily="34" charset="0"/>
               </a:rPr>
-              <a:t>Város -      könnyű</a:t>
+              <a:t>Barlang - könnyű</a:t>
             </a:r>
           </a:p>
           <a:p>
@@ -18505,7 +17936,7 @@
                 <a:latin typeface="Segoe UI Light" panose="020B0502040204020203" pitchFamily="34" charset="0"/>
                 <a:cs typeface="Segoe UI Light" panose="020B0502040204020203" pitchFamily="34" charset="0"/>
               </a:rPr>
-              <a:t>Barlang -   közepes</a:t>
+              <a:t>Dzsungel - közepes</a:t>
             </a:r>
           </a:p>
           <a:p>
@@ -18519,7 +17950,7 @@
                 <a:latin typeface="Segoe UI Light" panose="020B0502040204020203" pitchFamily="34" charset="0"/>
                 <a:cs typeface="Segoe UI Light" panose="020B0502040204020203" pitchFamily="34" charset="0"/>
               </a:rPr>
-              <a:t>Dzsungel - nehéz</a:t>
+              <a:t>Sivatag - nehéz</a:t>
             </a:r>
           </a:p>
           <a:p>
@@ -18553,7 +17984,7 @@
                 <a:latin typeface="Segoe UI Light" panose="020B0502040204020203" pitchFamily="34" charset="0"/>
                 <a:cs typeface="Segoe UI Light" panose="020B0502040204020203" pitchFamily="34" charset="0"/>
               </a:rPr>
-              <a:t>Egy kijárat</a:t>
+              <a:t>Véletlenszerű generálás</a:t>
             </a:r>
           </a:p>
         </p:txBody>
@@ -18758,21 +18189,7 @@
                 <a:latin typeface="Segoe UI Light" panose="020B0502040204020203" pitchFamily="34" charset="0"/>
                 <a:cs typeface="Segoe UI Light" panose="020B0502040204020203" pitchFamily="34" charset="0"/>
               </a:rPr>
-              <a:t>Kevesebb ellenfél</a:t>
-            </a:r>
-          </a:p>
-          <a:p>
-            <a:pPr marL="681228" lvl="1" indent="-342900">
-              <a:lnSpc>
-                <a:spcPct val="150000"/>
-              </a:lnSpc>
-            </a:pPr>
-            <a:r>
-              <a:rPr lang="hu-HU" dirty="0">
-                <a:latin typeface="Segoe UI Light" panose="020B0502040204020203" pitchFamily="34" charset="0"/>
-                <a:cs typeface="Segoe UI Light" panose="020B0502040204020203" pitchFamily="34" charset="0"/>
-              </a:rPr>
-              <a:t>Kevesebb láda/jutalom</a:t>
+              <a:t>Kevesebb fal a pályán</a:t>
             </a:r>
           </a:p>
           <a:p>
@@ -18805,21 +18222,7 @@
                 <a:latin typeface="Segoe UI Light" panose="020B0502040204020203" pitchFamily="34" charset="0"/>
                 <a:cs typeface="Segoe UI Light" panose="020B0502040204020203" pitchFamily="34" charset="0"/>
               </a:rPr>
-              <a:t>Több ellenfél</a:t>
-            </a:r>
-          </a:p>
-          <a:p>
-            <a:pPr marL="681228" lvl="1" indent="-342900">
-              <a:lnSpc>
-                <a:spcPct val="150000"/>
-              </a:lnSpc>
-            </a:pPr>
-            <a:r>
-              <a:rPr lang="hu-HU" dirty="0">
-                <a:latin typeface="Segoe UI Light" panose="020B0502040204020203" pitchFamily="34" charset="0"/>
-                <a:cs typeface="Segoe UI Light" panose="020B0502040204020203" pitchFamily="34" charset="0"/>
-              </a:rPr>
-              <a:t>Több láda/jutalom</a:t>
+              <a:t>Több fal a pályán</a:t>
             </a:r>
           </a:p>
           <a:p>
@@ -18858,7 +18261,7 @@
         </p:blipFill>
         <p:spPr>
           <a:xfrm>
-            <a:off x="4825949" y="1901952"/>
+            <a:off x="5176931" y="1763406"/>
             <a:ext cx="6264757" cy="3796822"/>
           </a:xfrm>
           <a:prstGeom prst="rect">
@@ -19017,7 +18420,7 @@
                 <a:latin typeface="Segoe UI Light" panose="020B0502040204020203" pitchFamily="34" charset="0"/>
                 <a:cs typeface="Segoe UI Light" panose="020B0502040204020203" pitchFamily="34" charset="0"/>
               </a:rPr>
-              <a:t>bandita, múmia (különböző színnel jelölve)</a:t>
+              <a:t>Véletlenszerű mozgás</a:t>
             </a:r>
           </a:p>
           <a:p>
@@ -19031,7 +18434,7 @@
                 <a:latin typeface="Segoe UI Light" panose="020B0502040204020203" pitchFamily="34" charset="0"/>
                 <a:cs typeface="Segoe UI Light" panose="020B0502040204020203" pitchFamily="34" charset="0"/>
               </a:rPr>
-              <a:t>ütnek, lőnek – 1 sebzés</a:t>
+              <a:t>5 életpontot sebez</a:t>
             </a:r>
           </a:p>
           <a:p>
@@ -19045,7 +18448,7 @@
                 <a:latin typeface="Segoe UI Light" panose="020B0502040204020203" pitchFamily="34" charset="0"/>
                 <a:cs typeface="Segoe UI Light" panose="020B0502040204020203" pitchFamily="34" charset="0"/>
               </a:rPr>
-              <a:t>3 élet</a:t>
+              <a:t>Egy élete van</a:t>
             </a:r>
           </a:p>
           <a:p>
@@ -19105,7 +18508,7 @@
                 <a:latin typeface="Segoe UI Light" panose="020B0502040204020203" pitchFamily="34" charset="0"/>
                 <a:cs typeface="Segoe UI Light" panose="020B0502040204020203" pitchFamily="34" charset="0"/>
               </a:rPr>
-              <a:t>Támadás: bal egérgomb</a:t>
+              <a:t>Támadás – egy mezőn tartózkodáskor</a:t>
             </a:r>
           </a:p>
         </p:txBody>
@@ -19132,38 +18535,8 @@
         </p:blipFill>
         <p:spPr>
           <a:xfrm>
-            <a:off x="5207536" y="3712662"/>
-            <a:ext cx="2424395" cy="1635278"/>
-          </a:xfrm>
-          <a:prstGeom prst="rect">
-            <a:avLst/>
-          </a:prstGeom>
-        </p:spPr>
-      </p:pic>
-      <p:pic>
-        <p:nvPicPr>
-          <p:cNvPr id="9" name="Kép 8" descr="A képen fekete, sötétség látható&#10;&#10;Automatikusan generált leírás">
-            <a:extLst>
-              <a:ext uri="{FF2B5EF4-FFF2-40B4-BE49-F238E27FC236}">
-                <a16:creationId xmlns:a16="http://schemas.microsoft.com/office/drawing/2014/main" id="{742A87FA-D831-39F5-D4E6-6D9B79FDBCAA}"/>
-              </a:ext>
-            </a:extLst>
-          </p:cNvPr>
-          <p:cNvPicPr>
-            <a:picLocks noChangeAspect="1"/>
-          </p:cNvPicPr>
-          <p:nvPr/>
-        </p:nvPicPr>
-        <p:blipFill>
-          <a:blip r:embed="rId3"/>
-          <a:stretch>
-            <a:fillRect/>
-          </a:stretch>
-        </p:blipFill>
-        <p:spPr>
-          <a:xfrm>
-            <a:off x="7631931" y="3468675"/>
-            <a:ext cx="2017113" cy="2017113"/>
+            <a:off x="5403273" y="3823855"/>
+            <a:ext cx="2119389" cy="1429548"/>
           </a:xfrm>
           <a:prstGeom prst="rect">
             <a:avLst/>
@@ -19333,34 +18706,7 @@
                 <a:latin typeface="Segoe UI Light" panose="020B0502040204020203" pitchFamily="34" charset="0"/>
                 <a:cs typeface="Segoe UI Light" panose="020B0502040204020203" pitchFamily="34" charset="0"/>
               </a:rPr>
-              <a:t>Ládákból (random: 2-10)</a:t>
-            </a:r>
-          </a:p>
-          <a:p>
-            <a:pPr marL="342900" indent="-342900"/>
-            <a:r>
-              <a:rPr lang="hu-HU" u="sng" dirty="0">
-                <a:latin typeface="Segoe UI Light" panose="020B0502040204020203" pitchFamily="34" charset="0"/>
-                <a:cs typeface="Segoe UI Light" panose="020B0502040204020203" pitchFamily="34" charset="0"/>
-              </a:rPr>
-              <a:t>Talizmán elköltése:</a:t>
-            </a:r>
-          </a:p>
-          <a:p>
-            <a:pPr marL="681228" lvl="1" indent="-342900">
-              <a:lnSpc>
-                <a:spcPct val="150000"/>
-              </a:lnSpc>
-            </a:pPr>
-            <a:r>
-              <a:rPr lang="hu-HU" dirty="0">
-                <a:solidFill>
-                  <a:schemeClr val="bg1"/>
-                </a:solidFill>
-                <a:latin typeface="Segoe UI Light" panose="020B0502040204020203" pitchFamily="34" charset="0"/>
-                <a:cs typeface="Segoe UI Light" panose="020B0502040204020203" pitchFamily="34" charset="0"/>
-              </a:rPr>
-              <a:t>Kovácsnál</a:t>
+              <a:t>Pályán találva (+1)</a:t>
             </a:r>
           </a:p>
         </p:txBody>
@@ -19453,7 +18799,7 @@
               <a:rPr lang="hu-HU" b="1" i="0" dirty="0">
                 <a:effectLst/>
               </a:rPr>
-              <a:t>Fejlődés rendszer</a:t>
+              <a:t>FELSZERELÉSEK</a:t>
             </a:r>
             <a:endParaRPr lang="en-US" dirty="0"/>
           </a:p>
@@ -19507,7 +18853,7 @@
           <a:p>
             <a:r>
               <a:rPr lang="hu-HU" dirty="0"/>
-              <a:t>Kovács („bolt”)</a:t>
+              <a:t>Fegyverek - sebzés</a:t>
             </a:r>
             <a:endParaRPr lang="en-US" dirty="0"/>
           </a:p>
@@ -19536,25 +18882,7 @@
           <a:p>
             <a:r>
               <a:rPr lang="hu-HU" dirty="0"/>
-              <a:t>Minden pályán egy található,</a:t>
-            </a:r>
-          </a:p>
-          <a:p>
-            <a:r>
-              <a:rPr lang="hu-HU" dirty="0"/>
-              <a:t>Fegyver fejlesztése</a:t>
-            </a:r>
-          </a:p>
-          <a:p>
-            <a:r>
-              <a:rPr lang="hu-HU" dirty="0"/>
-              <a:t>Páncél fejlesztése</a:t>
-            </a:r>
-          </a:p>
-          <a:p>
-            <a:r>
-              <a:rPr lang="hu-HU" dirty="0"/>
-              <a:t>Passzív hatások vásárlása</a:t>
+              <a:t>Alap fegyver: 1 sebzés</a:t>
             </a:r>
           </a:p>
         </p:txBody>
@@ -19582,7 +18910,7 @@
           <a:p>
             <a:r>
               <a:rPr lang="hu-HU" dirty="0"/>
-              <a:t>Ládák</a:t>
+              <a:t>Páncélzat - élet</a:t>
             </a:r>
             <a:endParaRPr lang="en-US" dirty="0"/>
           </a:p>
@@ -19611,13 +18939,13 @@
           <a:p>
             <a:r>
               <a:rPr lang="hu-HU" dirty="0"/>
-              <a:t>A pályán, NPC-k által őrizve</a:t>
+              <a:t>Alap páncél: 10 élet</a:t>
             </a:r>
           </a:p>
           <a:p>
             <a:r>
               <a:rPr lang="hu-HU" dirty="0"/>
-              <a:t>Új felszerelés megszerzése</a:t>
+              <a:t>Fejlesztéssel +1 élet/2 talizmán</a:t>
             </a:r>
             <a:endParaRPr lang="en-US" dirty="0"/>
           </a:p>
@@ -19651,7 +18979,7 @@
     </p:spTree>
     <p:extLst>
       <p:ext uri="{BB962C8B-B14F-4D97-AF65-F5344CB8AC3E}">
-        <p14:creationId xmlns:p14="http://schemas.microsoft.com/office/powerpoint/2010/main" val="765210901"/>
+        <p14:creationId xmlns:p14="http://schemas.microsoft.com/office/powerpoint/2010/main" val="1237935859"/>
       </p:ext>
     </p:extLst>
   </p:cSld>

--- a/IKT_jatek_bemutato.pptx
+++ b/IKT_jatek_bemutato.pptx
@@ -218,7 +218,7 @@
           <a:p>
             <a:fld id="{3F00BCFC-AFFD-334C-A183-6116BAFDF92B}" type="datetimeFigureOut">
               <a:rPr lang="en-US" smtClean="0"/>
-              <a:t>11/12/2024</a:t>
+              <a:t>11/13/2024</a:t>
             </a:fld>
             <a:endParaRPr lang="en-US" dirty="0"/>
           </a:p>
@@ -18103,10 +18103,6 @@
           <a:bodyPr/>
           <a:lstStyle/>
           <a:p>
-            <a:r>
-              <a:rPr lang="en-US"/>
-              <a:t>Crypto: investing &amp; trading</a:t>
-            </a:r>
             <a:endParaRPr lang="en-US" dirty="0"/>
           </a:p>
         </p:txBody>
@@ -19489,23 +19485,12 @@
 </file>
 
 <file path=customXml/item1.xml><?xml version="1.0" encoding="utf-8"?>
-<p:properties xmlns:p="http://schemas.microsoft.com/office/2006/metadata/properties" xmlns:xsi="http://www.w3.org/2001/XMLSchema-instance" xmlns:pc="http://schemas.microsoft.com/office/infopath/2007/PartnerControls">
-  <documentManagement>
-    <_ip_UnifiedCompliancePolicyUIAction xmlns="http://schemas.microsoft.com/sharepoint/v3" xsi:nil="true"/>
-    <Image xmlns="71af3243-3dd4-4a8d-8c0d-dd76da1f02a5">
-      <Url xsi:nil="true"/>
-      <Description xsi:nil="true"/>
-    </Image>
-    <Status xmlns="71af3243-3dd4-4a8d-8c0d-dd76da1f02a5">Not started</Status>
-    <Background xmlns="71af3243-3dd4-4a8d-8c0d-dd76da1f02a5">false</Background>
-    <_ip_UnifiedCompliancePolicyProperties xmlns="http://schemas.microsoft.com/sharepoint/v3" xsi:nil="true"/>
-    <ImageTagsTaxHTField xmlns="71af3243-3dd4-4a8d-8c0d-dd76da1f02a5">
-      <Terms xmlns="http://schemas.microsoft.com/office/infopath/2007/PartnerControls"/>
-    </ImageTagsTaxHTField>
-    <TaxCatchAll xmlns="230e9df3-be65-4c73-a93b-d1236ebd677e" xsi:nil="true"/>
-    <MediaServiceKeyPoints xmlns="71af3243-3dd4-4a8d-8c0d-dd76da1f02a5" xsi:nil="true"/>
-  </documentManagement>
-</p:properties>
+<?mso-contentType ?>
+<FormTemplates xmlns="http://schemas.microsoft.com/sharepoint/v3/contenttype/forms">
+  <Display>DocumentLibraryForm</Display>
+  <Edit>DocumentLibraryForm</Edit>
+  <New>DocumentLibraryForm</New>
+</FormTemplates>
 </file>
 
 <file path=customXml/item2.xml><?xml version="1.0" encoding="utf-8"?>
@@ -19803,22 +19788,29 @@
 </file>
 
 <file path=customXml/item3.xml><?xml version="1.0" encoding="utf-8"?>
-<?mso-contentType ?>
-<FormTemplates xmlns="http://schemas.microsoft.com/sharepoint/v3/contenttype/forms">
-  <Display>DocumentLibraryForm</Display>
-  <Edit>DocumentLibraryForm</Edit>
-  <New>DocumentLibraryForm</New>
-</FormTemplates>
+<p:properties xmlns:p="http://schemas.microsoft.com/office/2006/metadata/properties" xmlns:xsi="http://www.w3.org/2001/XMLSchema-instance" xmlns:pc="http://schemas.microsoft.com/office/infopath/2007/PartnerControls">
+  <documentManagement>
+    <_ip_UnifiedCompliancePolicyUIAction xmlns="http://schemas.microsoft.com/sharepoint/v3" xsi:nil="true"/>
+    <Image xmlns="71af3243-3dd4-4a8d-8c0d-dd76da1f02a5">
+      <Url xsi:nil="true"/>
+      <Description xsi:nil="true"/>
+    </Image>
+    <Status xmlns="71af3243-3dd4-4a8d-8c0d-dd76da1f02a5">Not started</Status>
+    <Background xmlns="71af3243-3dd4-4a8d-8c0d-dd76da1f02a5">false</Background>
+    <_ip_UnifiedCompliancePolicyProperties xmlns="http://schemas.microsoft.com/sharepoint/v3" xsi:nil="true"/>
+    <ImageTagsTaxHTField xmlns="71af3243-3dd4-4a8d-8c0d-dd76da1f02a5">
+      <Terms xmlns="http://schemas.microsoft.com/office/infopath/2007/PartnerControls"/>
+    </ImageTagsTaxHTField>
+    <TaxCatchAll xmlns="230e9df3-be65-4c73-a93b-d1236ebd677e" xsi:nil="true"/>
+    <MediaServiceKeyPoints xmlns="71af3243-3dd4-4a8d-8c0d-dd76da1f02a5" xsi:nil="true"/>
+  </documentManagement>
+</p:properties>
 </file>
 
 <file path=customXml/itemProps1.xml><?xml version="1.0" encoding="utf-8"?>
-<ds:datastoreItem xmlns:ds="http://schemas.openxmlformats.org/officeDocument/2006/customXml" ds:itemID="{EA4A3FD6-E6BF-490E-B6B4-6A011394B0EB}">
+<ds:datastoreItem xmlns:ds="http://schemas.openxmlformats.org/officeDocument/2006/customXml" ds:itemID="{43C4A95C-9007-4EA6-944B-306B6F2A0100}">
   <ds:schemaRefs>
-    <ds:schemaRef ds:uri="http://schemas.microsoft.com/office/2006/metadata/properties"/>
-    <ds:schemaRef ds:uri="http://schemas.microsoft.com/office/infopath/2007/PartnerControls"/>
-    <ds:schemaRef ds:uri="http://schemas.microsoft.com/sharepoint/v3"/>
-    <ds:schemaRef ds:uri="71af3243-3dd4-4a8d-8c0d-dd76da1f02a5"/>
-    <ds:schemaRef ds:uri="230e9df3-be65-4c73-a93b-d1236ebd677e"/>
+    <ds:schemaRef ds:uri="http://schemas.microsoft.com/sharepoint/v3/contenttype/forms"/>
   </ds:schemaRefs>
 </ds:datastoreItem>
 </file>
@@ -19845,9 +19837,13 @@
 </file>
 
 <file path=customXml/itemProps3.xml><?xml version="1.0" encoding="utf-8"?>
-<ds:datastoreItem xmlns:ds="http://schemas.openxmlformats.org/officeDocument/2006/customXml" ds:itemID="{43C4A95C-9007-4EA6-944B-306B6F2A0100}">
+<ds:datastoreItem xmlns:ds="http://schemas.openxmlformats.org/officeDocument/2006/customXml" ds:itemID="{EA4A3FD6-E6BF-490E-B6B4-6A011394B0EB}">
   <ds:schemaRefs>
-    <ds:schemaRef ds:uri="http://schemas.microsoft.com/sharepoint/v3/contenttype/forms"/>
+    <ds:schemaRef ds:uri="http://schemas.microsoft.com/office/2006/metadata/properties"/>
+    <ds:schemaRef ds:uri="http://schemas.microsoft.com/office/infopath/2007/PartnerControls"/>
+    <ds:schemaRef ds:uri="http://schemas.microsoft.com/sharepoint/v3"/>
+    <ds:schemaRef ds:uri="71af3243-3dd4-4a8d-8c0d-dd76da1f02a5"/>
+    <ds:schemaRef ds:uri="230e9df3-be65-4c73-a93b-d1236ebd677e"/>
   </ds:schemaRefs>
 </ds:datastoreItem>
 </file>
